--- a/media/SolutionBlockDiagram.pptx
+++ b/media/SolutionBlockDiagram.pptx
@@ -259,7 +259,7 @@
           <a:p>
             <a:fld id="{2F0ED6B7-64BF-3540-A93A-1AF8036FD769}" type="datetimeFigureOut">
               <a:rPr lang="en-US" smtClean="0"/>
-              <a:t>11/30/22</a:t>
+              <a:t>12/1/22</a:t>
             </a:fld>
             <a:endParaRPr lang="en-US"/>
           </a:p>
@@ -457,7 +457,7 @@
           <a:p>
             <a:fld id="{2F0ED6B7-64BF-3540-A93A-1AF8036FD769}" type="datetimeFigureOut">
               <a:rPr lang="en-US" smtClean="0"/>
-              <a:t>11/30/22</a:t>
+              <a:t>12/1/22</a:t>
             </a:fld>
             <a:endParaRPr lang="en-US"/>
           </a:p>
@@ -665,7 +665,7 @@
           <a:p>
             <a:fld id="{2F0ED6B7-64BF-3540-A93A-1AF8036FD769}" type="datetimeFigureOut">
               <a:rPr lang="en-US" smtClean="0"/>
-              <a:t>11/30/22</a:t>
+              <a:t>12/1/22</a:t>
             </a:fld>
             <a:endParaRPr lang="en-US"/>
           </a:p>
@@ -863,7 +863,7 @@
           <a:p>
             <a:fld id="{2F0ED6B7-64BF-3540-A93A-1AF8036FD769}" type="datetimeFigureOut">
               <a:rPr lang="en-US" smtClean="0"/>
-              <a:t>11/30/22</a:t>
+              <a:t>12/1/22</a:t>
             </a:fld>
             <a:endParaRPr lang="en-US"/>
           </a:p>
@@ -1138,7 +1138,7 @@
           <a:p>
             <a:fld id="{2F0ED6B7-64BF-3540-A93A-1AF8036FD769}" type="datetimeFigureOut">
               <a:rPr lang="en-US" smtClean="0"/>
-              <a:t>11/30/22</a:t>
+              <a:t>12/1/22</a:t>
             </a:fld>
             <a:endParaRPr lang="en-US"/>
           </a:p>
@@ -1403,7 +1403,7 @@
           <a:p>
             <a:fld id="{2F0ED6B7-64BF-3540-A93A-1AF8036FD769}" type="datetimeFigureOut">
               <a:rPr lang="en-US" smtClean="0"/>
-              <a:t>11/30/22</a:t>
+              <a:t>12/1/22</a:t>
             </a:fld>
             <a:endParaRPr lang="en-US"/>
           </a:p>
@@ -1815,7 +1815,7 @@
           <a:p>
             <a:fld id="{2F0ED6B7-64BF-3540-A93A-1AF8036FD769}" type="datetimeFigureOut">
               <a:rPr lang="en-US" smtClean="0"/>
-              <a:t>11/30/22</a:t>
+              <a:t>12/1/22</a:t>
             </a:fld>
             <a:endParaRPr lang="en-US"/>
           </a:p>
@@ -1956,7 +1956,7 @@
           <a:p>
             <a:fld id="{2F0ED6B7-64BF-3540-A93A-1AF8036FD769}" type="datetimeFigureOut">
               <a:rPr lang="en-US" smtClean="0"/>
-              <a:t>11/30/22</a:t>
+              <a:t>12/1/22</a:t>
             </a:fld>
             <a:endParaRPr lang="en-US"/>
           </a:p>
@@ -2069,7 +2069,7 @@
           <a:p>
             <a:fld id="{2F0ED6B7-64BF-3540-A93A-1AF8036FD769}" type="datetimeFigureOut">
               <a:rPr lang="en-US" smtClean="0"/>
-              <a:t>11/30/22</a:t>
+              <a:t>12/1/22</a:t>
             </a:fld>
             <a:endParaRPr lang="en-US"/>
           </a:p>
@@ -2380,7 +2380,7 @@
           <a:p>
             <a:fld id="{2F0ED6B7-64BF-3540-A93A-1AF8036FD769}" type="datetimeFigureOut">
               <a:rPr lang="en-US" smtClean="0"/>
-              <a:t>11/30/22</a:t>
+              <a:t>12/1/22</a:t>
             </a:fld>
             <a:endParaRPr lang="en-US"/>
           </a:p>
@@ -2668,7 +2668,7 @@
           <a:p>
             <a:fld id="{2F0ED6B7-64BF-3540-A93A-1AF8036FD769}" type="datetimeFigureOut">
               <a:rPr lang="en-US" smtClean="0"/>
-              <a:t>11/30/22</a:t>
+              <a:t>12/1/22</a:t>
             </a:fld>
             <a:endParaRPr lang="en-US"/>
           </a:p>
@@ -2909,7 +2909,7 @@
           <a:p>
             <a:fld id="{2F0ED6B7-64BF-3540-A93A-1AF8036FD769}" type="datetimeFigureOut">
               <a:rPr lang="en-US" smtClean="0"/>
-              <a:t>11/30/22</a:t>
+              <a:t>12/1/22</a:t>
             </a:fld>
             <a:endParaRPr lang="en-US"/>
           </a:p>
@@ -3340,8 +3340,8 @@
         </p:nvSpPr>
         <p:spPr>
           <a:xfrm>
-            <a:off x="816611" y="2662777"/>
-            <a:ext cx="1329416" cy="751772"/>
+            <a:off x="330472" y="2456863"/>
+            <a:ext cx="1009205" cy="1313793"/>
           </a:xfrm>
           <a:prstGeom prst="rect">
             <a:avLst/>
@@ -3525,62 +3525,6 @@
               <a:t>Firmware</a:t>
             </a:r>
             <a:endParaRPr lang="en-US" baseline="30000" dirty="0"/>
-          </a:p>
-        </p:txBody>
-      </p:sp>
-      <p:sp>
-        <p:nvSpPr>
-          <p:cNvPr id="8" name="Left-Right Arrow 7">
-            <a:extLst>
-              <a:ext uri="{FF2B5EF4-FFF2-40B4-BE49-F238E27FC236}">
-                <a16:creationId xmlns:a16="http://schemas.microsoft.com/office/drawing/2014/main" id="{A2703149-DDCB-C846-8AF3-05C50CC1286B}"/>
-              </a:ext>
-            </a:extLst>
-          </p:cNvPr>
-          <p:cNvSpPr/>
-          <p:nvPr/>
-        </p:nvSpPr>
-        <p:spPr>
-          <a:xfrm>
-            <a:off x="2005700" y="2737875"/>
-            <a:ext cx="1488634" cy="622880"/>
-          </a:xfrm>
-          <a:prstGeom prst="leftRightArrow">
-            <a:avLst/>
-          </a:prstGeom>
-          <a:solidFill>
-            <a:srgbClr val="FFFF00"/>
-          </a:solidFill>
-        </p:spPr>
-        <p:style>
-          <a:lnRef idx="2">
-            <a:schemeClr val="accent1">
-              <a:shade val="50000"/>
-            </a:schemeClr>
-          </a:lnRef>
-          <a:fillRef idx="1">
-            <a:schemeClr val="accent1"/>
-          </a:fillRef>
-          <a:effectRef idx="0">
-            <a:schemeClr val="accent1"/>
-          </a:effectRef>
-          <a:fontRef idx="minor">
-            <a:schemeClr val="lt1"/>
-          </a:fontRef>
-        </p:style>
-        <p:txBody>
-          <a:bodyPr rtlCol="0" anchor="ctr"/>
-          <a:lstStyle/>
-          <a:p>
-            <a:pPr algn="ctr"/>
-            <a:r>
-              <a:rPr lang="en-US" dirty="0">
-                <a:solidFill>
-                  <a:schemeClr val="tx1"/>
-                </a:solidFill>
-              </a:rPr>
-              <a:t>UART</a:t>
-            </a:r>
           </a:p>
         </p:txBody>
       </p:sp>
@@ -3812,6 +3756,166 @@
                 </a:solidFill>
               </a:rPr>
               <a:t>TCP/IP</a:t>
+            </a:r>
+          </a:p>
+        </p:txBody>
+      </p:sp>
+      <p:sp>
+        <p:nvSpPr>
+          <p:cNvPr id="2" name="Right Arrow 1">
+            <a:extLst>
+              <a:ext uri="{FF2B5EF4-FFF2-40B4-BE49-F238E27FC236}">
+                <a16:creationId xmlns:a16="http://schemas.microsoft.com/office/drawing/2014/main" id="{8E59248F-A603-FF0A-1FA3-B85CE2C1396D}"/>
+              </a:ext>
+            </a:extLst>
+          </p:cNvPr>
+          <p:cNvSpPr/>
+          <p:nvPr/>
+        </p:nvSpPr>
+        <p:spPr>
+          <a:xfrm>
+            <a:off x="1340557" y="2428621"/>
+            <a:ext cx="2008264" cy="620692"/>
+          </a:xfrm>
+          <a:prstGeom prst="rightArrow">
+            <a:avLst/>
+          </a:prstGeom>
+          <a:solidFill>
+            <a:srgbClr val="FFFF00"/>
+          </a:solidFill>
+        </p:spPr>
+        <p:style>
+          <a:lnRef idx="2">
+            <a:schemeClr val="accent1">
+              <a:shade val="50000"/>
+            </a:schemeClr>
+          </a:lnRef>
+          <a:fillRef idx="1">
+            <a:schemeClr val="accent1"/>
+          </a:fillRef>
+          <a:effectRef idx="0">
+            <a:schemeClr val="accent1"/>
+          </a:effectRef>
+          <a:fontRef idx="minor">
+            <a:schemeClr val="lt1"/>
+          </a:fontRef>
+        </p:style>
+        <p:txBody>
+          <a:bodyPr rtlCol="0" anchor="ctr"/>
+          <a:lstStyle/>
+          <a:p>
+            <a:pPr algn="ctr"/>
+            <a:r>
+              <a:rPr lang="en-US" dirty="0">
+                <a:solidFill>
+                  <a:schemeClr val="tx1"/>
+                </a:solidFill>
+              </a:rPr>
+              <a:t>AT</a:t>
+            </a:r>
+            <a:r>
+              <a:rPr lang="en-US" dirty="0"/>
+              <a:t> </a:t>
+            </a:r>
+            <a:r>
+              <a:rPr lang="en-US" dirty="0">
+                <a:solidFill>
+                  <a:schemeClr val="tx1"/>
+                </a:solidFill>
+              </a:rPr>
+              <a:t>Commands</a:t>
+            </a:r>
+          </a:p>
+        </p:txBody>
+      </p:sp>
+      <p:sp>
+        <p:nvSpPr>
+          <p:cNvPr id="3" name="Left Arrow 2">
+            <a:extLst>
+              <a:ext uri="{FF2B5EF4-FFF2-40B4-BE49-F238E27FC236}">
+                <a16:creationId xmlns:a16="http://schemas.microsoft.com/office/drawing/2014/main" id="{632C1FF9-14BB-B071-BCEB-25044CE6B806}"/>
+              </a:ext>
+            </a:extLst>
+          </p:cNvPr>
+          <p:cNvSpPr/>
+          <p:nvPr/>
+        </p:nvSpPr>
+        <p:spPr>
+          <a:xfrm>
+            <a:off x="1163749" y="3225114"/>
+            <a:ext cx="2123858" cy="620692"/>
+          </a:xfrm>
+          <a:prstGeom prst="leftArrow">
+            <a:avLst/>
+          </a:prstGeom>
+          <a:solidFill>
+            <a:srgbClr val="FFFF00"/>
+          </a:solidFill>
+        </p:spPr>
+        <p:style>
+          <a:lnRef idx="2">
+            <a:schemeClr val="accent1">
+              <a:shade val="50000"/>
+            </a:schemeClr>
+          </a:lnRef>
+          <a:fillRef idx="1">
+            <a:schemeClr val="accent1"/>
+          </a:fillRef>
+          <a:effectRef idx="0">
+            <a:schemeClr val="accent1"/>
+          </a:effectRef>
+          <a:fontRef idx="minor">
+            <a:schemeClr val="lt1"/>
+          </a:fontRef>
+        </p:style>
+        <p:txBody>
+          <a:bodyPr rtlCol="0" anchor="ctr"/>
+          <a:lstStyle/>
+          <a:p>
+            <a:pPr algn="ctr"/>
+            <a:r>
+              <a:rPr lang="en-US" dirty="0">
+                <a:solidFill>
+                  <a:schemeClr val="tx1"/>
+                </a:solidFill>
+              </a:rPr>
+              <a:t>AT Responses</a:t>
+            </a:r>
+          </a:p>
+        </p:txBody>
+      </p:sp>
+      <p:sp>
+        <p:nvSpPr>
+          <p:cNvPr id="10" name="TextBox 9">
+            <a:extLst>
+              <a:ext uri="{FF2B5EF4-FFF2-40B4-BE49-F238E27FC236}">
+                <a16:creationId xmlns:a16="http://schemas.microsoft.com/office/drawing/2014/main" id="{19FDB7AA-1D9F-C639-BEC3-DD21E376C1CA}"/>
+              </a:ext>
+            </a:extLst>
+          </p:cNvPr>
+          <p:cNvSpPr txBox="1"/>
+          <p:nvPr/>
+        </p:nvSpPr>
+        <p:spPr>
+          <a:xfrm>
+            <a:off x="1349403" y="2996420"/>
+            <a:ext cx="1947930" cy="369332"/>
+          </a:xfrm>
+          <a:prstGeom prst="rect">
+            <a:avLst/>
+          </a:prstGeom>
+          <a:noFill/>
+        </p:spPr>
+        <p:txBody>
+          <a:bodyPr wrap="square" rtlCol="0">
+            <a:spAutoFit/>
+          </a:bodyPr>
+          <a:lstStyle/>
+          <a:p>
+            <a:pPr algn="ctr"/>
+            <a:r>
+              <a:rPr lang="en-US" dirty="0"/>
+              <a:t>UART</a:t>
             </a:r>
           </a:p>
         </p:txBody>

--- a/media/SolutionBlockDiagram.pptx
+++ b/media/SolutionBlockDiagram.pptx
@@ -259,7 +259,7 @@
           <a:p>
             <a:fld id="{2F0ED6B7-64BF-3540-A93A-1AF8036FD769}" type="datetimeFigureOut">
               <a:rPr lang="en-US" smtClean="0"/>
-              <a:t>12/1/22</a:t>
+              <a:t>1/13/23</a:t>
             </a:fld>
             <a:endParaRPr lang="en-US"/>
           </a:p>
@@ -457,7 +457,7 @@
           <a:p>
             <a:fld id="{2F0ED6B7-64BF-3540-A93A-1AF8036FD769}" type="datetimeFigureOut">
               <a:rPr lang="en-US" smtClean="0"/>
-              <a:t>12/1/22</a:t>
+              <a:t>1/13/23</a:t>
             </a:fld>
             <a:endParaRPr lang="en-US"/>
           </a:p>
@@ -665,7 +665,7 @@
           <a:p>
             <a:fld id="{2F0ED6B7-64BF-3540-A93A-1AF8036FD769}" type="datetimeFigureOut">
               <a:rPr lang="en-US" smtClean="0"/>
-              <a:t>12/1/22</a:t>
+              <a:t>1/13/23</a:t>
             </a:fld>
             <a:endParaRPr lang="en-US"/>
           </a:p>
@@ -863,7 +863,7 @@
           <a:p>
             <a:fld id="{2F0ED6B7-64BF-3540-A93A-1AF8036FD769}" type="datetimeFigureOut">
               <a:rPr lang="en-US" smtClean="0"/>
-              <a:t>12/1/22</a:t>
+              <a:t>1/13/23</a:t>
             </a:fld>
             <a:endParaRPr lang="en-US"/>
           </a:p>
@@ -1138,7 +1138,7 @@
           <a:p>
             <a:fld id="{2F0ED6B7-64BF-3540-A93A-1AF8036FD769}" type="datetimeFigureOut">
               <a:rPr lang="en-US" smtClean="0"/>
-              <a:t>12/1/22</a:t>
+              <a:t>1/13/23</a:t>
             </a:fld>
             <a:endParaRPr lang="en-US"/>
           </a:p>
@@ -1403,7 +1403,7 @@
           <a:p>
             <a:fld id="{2F0ED6B7-64BF-3540-A93A-1AF8036FD769}" type="datetimeFigureOut">
               <a:rPr lang="en-US" smtClean="0"/>
-              <a:t>12/1/22</a:t>
+              <a:t>1/13/23</a:t>
             </a:fld>
             <a:endParaRPr lang="en-US"/>
           </a:p>
@@ -1815,7 +1815,7 @@
           <a:p>
             <a:fld id="{2F0ED6B7-64BF-3540-A93A-1AF8036FD769}" type="datetimeFigureOut">
               <a:rPr lang="en-US" smtClean="0"/>
-              <a:t>12/1/22</a:t>
+              <a:t>1/13/23</a:t>
             </a:fld>
             <a:endParaRPr lang="en-US"/>
           </a:p>
@@ -1956,7 +1956,7 @@
           <a:p>
             <a:fld id="{2F0ED6B7-64BF-3540-A93A-1AF8036FD769}" type="datetimeFigureOut">
               <a:rPr lang="en-US" smtClean="0"/>
-              <a:t>12/1/22</a:t>
+              <a:t>1/13/23</a:t>
             </a:fld>
             <a:endParaRPr lang="en-US"/>
           </a:p>
@@ -2069,7 +2069,7 @@
           <a:p>
             <a:fld id="{2F0ED6B7-64BF-3540-A93A-1AF8036FD769}" type="datetimeFigureOut">
               <a:rPr lang="en-US" smtClean="0"/>
-              <a:t>12/1/22</a:t>
+              <a:t>1/13/23</a:t>
             </a:fld>
             <a:endParaRPr lang="en-US"/>
           </a:p>
@@ -2380,7 +2380,7 @@
           <a:p>
             <a:fld id="{2F0ED6B7-64BF-3540-A93A-1AF8036FD769}" type="datetimeFigureOut">
               <a:rPr lang="en-US" smtClean="0"/>
-              <a:t>12/1/22</a:t>
+              <a:t>1/13/23</a:t>
             </a:fld>
             <a:endParaRPr lang="en-US"/>
           </a:p>
@@ -2668,7 +2668,7 @@
           <a:p>
             <a:fld id="{2F0ED6B7-64BF-3540-A93A-1AF8036FD769}" type="datetimeFigureOut">
               <a:rPr lang="en-US" smtClean="0"/>
-              <a:t>12/1/22</a:t>
+              <a:t>1/13/23</a:t>
             </a:fld>
             <a:endParaRPr lang="en-US"/>
           </a:p>
@@ -2909,7 +2909,7 @@
           <a:p>
             <a:fld id="{2F0ED6B7-64BF-3540-A93A-1AF8036FD769}" type="datetimeFigureOut">
               <a:rPr lang="en-US" smtClean="0"/>
-              <a:t>12/1/22</a:t>
+              <a:t>1/13/23</a:t>
             </a:fld>
             <a:endParaRPr lang="en-US"/>
           </a:p>
@@ -3373,7 +3373,7 @@
             <a:pPr algn="ctr"/>
             <a:r>
               <a:rPr lang="en-US" dirty="0"/>
-              <a:t>PC</a:t>
+              <a:t>IoT Device Host MCU</a:t>
             </a:r>
           </a:p>
         </p:txBody>
